--- a/material/14_CSharp_심화문법 (컬렉션).pptx
+++ b/material/14_CSharp_심화문법 (컬렉션).pptx
@@ -31,15 +31,12 @@
   <p:notesSz cx="6858000" cy="9144000"/>
   <p:embeddedFontLst>
     <p:embeddedFont>
-      <p:font typeface="Pretendard SemiBold" panose="02000703000000020004" pitchFamily="2" charset="-127"/>
-      <p:bold r:id="rId21"/>
-    </p:embeddedFont>
-    <p:embeddedFont>
-      <p:font typeface="Pretendard Black" panose="02000A03000000020004" pitchFamily="2" charset="-127"/>
+      <p:font typeface="Pretendard GOV" panose="020B0600000101010101" charset="-127"/>
+      <p:regular r:id="rId21"/>
       <p:bold r:id="rId22"/>
     </p:embeddedFont>
     <p:embeddedFont>
-      <p:font typeface="AppleSDGothicNeoB00" panose="020B0600000101010101" charset="-127"/>
+      <p:font typeface="AppleSDGothicNeoH00" panose="020B0600000101010101" charset="-127"/>
       <p:regular r:id="rId23"/>
     </p:embeddedFont>
     <p:embeddedFont>
@@ -48,12 +45,15 @@
       <p:bold r:id="rId25"/>
     </p:embeddedFont>
     <p:embeddedFont>
-      <p:font typeface="Pretendard GOV" panose="020B0600000101010101" charset="-127"/>
-      <p:regular r:id="rId26"/>
+      <p:font typeface="Pretendard SemiBold" panose="02000703000000020004" pitchFamily="2" charset="-127"/>
+      <p:bold r:id="rId26"/>
+    </p:embeddedFont>
+    <p:embeddedFont>
+      <p:font typeface="Pretendard Black" panose="02000A03000000020004" pitchFamily="2" charset="-127"/>
       <p:bold r:id="rId27"/>
     </p:embeddedFont>
     <p:embeddedFont>
-      <p:font typeface="AppleSDGothicNeoH00" panose="020B0600000101010101" charset="-127"/>
+      <p:font typeface="AppleSDGothicNeoB00" panose="020B0600000101010101" charset="-127"/>
       <p:regular r:id="rId28"/>
     </p:embeddedFont>
   </p:embeddedFontLst>
@@ -245,7 +245,7 @@
           <a:p>
             <a:fld id="{2EF3F159-7250-4DD4-91C2-13B35D56E1AF}" type="datetimeFigureOut">
               <a:rPr lang="ko-KR" altLang="en-US" smtClean="0"/>
-              <a:t>2025-05-15</a:t>
+              <a:t>2025-06-08</a:t>
             </a:fld>
             <a:endParaRPr lang="ko-KR" altLang="en-US"/>
           </a:p>
@@ -972,186 +972,6 @@
           <a:bodyPr/>
           <a:lstStyle/>
           <a:p>
-            <a:r>
-              <a:rPr lang="ko-KR" altLang="en-US" dirty="0" smtClean="0"/>
-              <a:t>**제네릭</a:t>
-            </a:r>
-            <a:r>
-              <a:rPr lang="en-US" altLang="ko-KR" dirty="0" smtClean="0"/>
-              <a:t>(Generic)**</a:t>
-            </a:r>
-            <a:r>
-              <a:rPr lang="ko-KR" altLang="en-US" dirty="0" smtClean="0"/>
-              <a:t>은 </a:t>
-            </a:r>
-            <a:r>
-              <a:rPr lang="ko-KR" altLang="en-US" b="1" dirty="0" smtClean="0"/>
-              <a:t>데이터 형식을 일반화</a:t>
-            </a:r>
-            <a:r>
-              <a:rPr lang="ko-KR" altLang="en-US" dirty="0" smtClean="0"/>
-              <a:t>하는 문법입니다</a:t>
-            </a:r>
-            <a:r>
-              <a:rPr lang="en-US" altLang="ko-KR" dirty="0" smtClean="0"/>
-              <a:t>.</a:t>
-            </a:r>
-          </a:p>
-          <a:p>
-            <a:r>
-              <a:rPr lang="ko-KR" altLang="en-US" dirty="0" smtClean="0"/>
-              <a:t>📌 </a:t>
-            </a:r>
-            <a:r>
-              <a:rPr lang="ko-KR" altLang="en-US" b="1" dirty="0" smtClean="0"/>
-              <a:t>정의</a:t>
-            </a:r>
-            <a:r>
-              <a:rPr lang="en-US" altLang="ko-KR" b="1" dirty="0" smtClean="0"/>
-              <a:t>:</a:t>
-            </a:r>
-            <a:r>
-              <a:rPr lang="ko-KR" altLang="en-US" dirty="0" smtClean="0"/>
-              <a:t> 클래스나 메서드가 처리할 데이터의 </a:t>
-            </a:r>
-            <a:r>
-              <a:rPr lang="ko-KR" altLang="en-US" b="1" dirty="0" smtClean="0"/>
-              <a:t>형식을 미리 정하지 않고</a:t>
-            </a:r>
-            <a:r>
-              <a:rPr lang="en-US" altLang="ko-KR" dirty="0" smtClean="0"/>
-              <a:t>, </a:t>
-            </a:r>
-            <a:r>
-              <a:rPr lang="ko-KR" altLang="en-US" dirty="0" smtClean="0"/>
-              <a:t>사용할 때 지정할 수 있게 하는 기능</a:t>
-            </a:r>
-            <a:r>
-              <a:rPr lang="en-US" altLang="ko-KR" dirty="0" smtClean="0"/>
-              <a:t>.</a:t>
-            </a:r>
-          </a:p>
-          <a:p>
-            <a:endParaRPr lang="en-US" altLang="ko-KR" dirty="0" smtClean="0"/>
-          </a:p>
-          <a:p>
-            <a:r>
-              <a:rPr lang="ko-KR" altLang="en-US" b="1" dirty="0" err="1" smtClean="0"/>
-              <a:t>비제네릭</a:t>
-            </a:r>
-            <a:r>
-              <a:rPr lang="ko-KR" altLang="en-US" b="1" dirty="0" smtClean="0"/>
-              <a:t> 컬렉션 </a:t>
-            </a:r>
-            <a:r>
-              <a:rPr lang="en-US" altLang="ko-KR" b="1" dirty="0" smtClean="0"/>
-              <a:t>(</a:t>
-            </a:r>
-            <a:r>
-              <a:rPr lang="ko-KR" altLang="en-US" b="1" dirty="0" smtClean="0"/>
-              <a:t>예</a:t>
-            </a:r>
-            <a:r>
-              <a:rPr lang="en-US" altLang="ko-KR" b="1" dirty="0" smtClean="0"/>
-              <a:t>: </a:t>
-            </a:r>
-            <a:r>
-              <a:rPr lang="en-US" altLang="ko-KR" b="1" dirty="0" err="1" smtClean="0"/>
-              <a:t>ArrayList</a:t>
-            </a:r>
-            <a:r>
-              <a:rPr lang="en-US" altLang="ko-KR" b="1" dirty="0" smtClean="0"/>
-              <a:t>)</a:t>
-            </a:r>
-            <a:r>
-              <a:rPr lang="ko-KR" altLang="en-US" b="1" dirty="0" smtClean="0"/>
-              <a:t>의 문제점</a:t>
-            </a:r>
-            <a:endParaRPr lang="en-US" altLang="ko-KR" b="1" dirty="0" smtClean="0"/>
-          </a:p>
-          <a:p>
-            <a:r>
-              <a:rPr lang="ko-KR" altLang="en-US" b="1" dirty="0" smtClean="0"/>
-              <a:t>단점</a:t>
-            </a:r>
-            <a:r>
-              <a:rPr lang="en-US" altLang="ko-KR" b="1" dirty="0" smtClean="0"/>
-              <a:t>:</a:t>
-            </a:r>
-          </a:p>
-          <a:p>
-            <a:r>
-              <a:rPr lang="en-US" altLang="ko-KR" dirty="0" smtClean="0"/>
-              <a:t>object </a:t>
-            </a:r>
-            <a:r>
-              <a:rPr lang="ko-KR" altLang="en-US" dirty="0" smtClean="0"/>
-              <a:t>형으로 저장되기 때문에 → 꺼낼 때 </a:t>
-            </a:r>
-            <a:r>
-              <a:rPr lang="ko-KR" altLang="en-US" b="1" dirty="0" err="1" smtClean="0"/>
-              <a:t>형변환</a:t>
-            </a:r>
-            <a:r>
-              <a:rPr lang="en-US" altLang="ko-KR" b="1" dirty="0" smtClean="0"/>
-              <a:t>(casting)</a:t>
-            </a:r>
-            <a:r>
-              <a:rPr lang="ko-KR" altLang="en-US" dirty="0" smtClean="0"/>
-              <a:t> 필요</a:t>
-            </a:r>
-          </a:p>
-          <a:p>
-            <a:r>
-              <a:rPr lang="ko-KR" altLang="en-US" dirty="0" err="1" smtClean="0"/>
-              <a:t>형변환</a:t>
-            </a:r>
-            <a:r>
-              <a:rPr lang="ko-KR" altLang="en-US" dirty="0" smtClean="0"/>
-              <a:t> 실패 시 </a:t>
-            </a:r>
-            <a:r>
-              <a:rPr lang="ko-KR" altLang="en-US" b="1" dirty="0" smtClean="0"/>
-              <a:t>런타임 오류 발생 가능</a:t>
-            </a:r>
-            <a:endParaRPr lang="ko-KR" altLang="en-US" dirty="0" smtClean="0"/>
-          </a:p>
-          <a:p>
-            <a:r>
-              <a:rPr lang="ko-KR" altLang="en-US" b="1" dirty="0" err="1" smtClean="0"/>
-              <a:t>박싱</a:t>
-            </a:r>
-            <a:r>
-              <a:rPr lang="en-US" altLang="ko-KR" b="1" dirty="0" smtClean="0"/>
-              <a:t>(Boxing)</a:t>
-            </a:r>
-            <a:r>
-              <a:rPr lang="ko-KR" altLang="en-US" dirty="0" smtClean="0"/>
-              <a:t> </a:t>
-            </a:r>
-            <a:r>
-              <a:rPr lang="en-US" altLang="ko-KR" dirty="0" smtClean="0"/>
-              <a:t>/ **</a:t>
-            </a:r>
-            <a:r>
-              <a:rPr lang="ko-KR" altLang="en-US" dirty="0" err="1" smtClean="0"/>
-              <a:t>언박싱</a:t>
-            </a:r>
-            <a:r>
-              <a:rPr lang="en-US" altLang="ko-KR" dirty="0" smtClean="0"/>
-              <a:t>(Unboxing)**</a:t>
-            </a:r>
-            <a:r>
-              <a:rPr lang="ko-KR" altLang="en-US" dirty="0" smtClean="0"/>
-              <a:t>으로 인한 </a:t>
-            </a:r>
-            <a:r>
-              <a:rPr lang="ko-KR" altLang="en-US" b="1" dirty="0" smtClean="0"/>
-              <a:t>성능 저하</a:t>
-            </a:r>
-            <a:endParaRPr lang="ko-KR" altLang="en-US" dirty="0" smtClean="0"/>
-          </a:p>
-          <a:p>
             <a:endParaRPr lang="ko-KR" altLang="en-US" dirty="0"/>
           </a:p>
         </p:txBody>
@@ -1320,218 +1140,6 @@
           <a:bodyPr/>
           <a:lstStyle/>
           <a:p>
-            <a:r>
-              <a:rPr lang="en-US" altLang="ko-KR" dirty="0" smtClean="0"/>
-              <a:t>UI </a:t>
-            </a:r>
-            <a:r>
-              <a:rPr lang="ko-KR" altLang="en-US" smtClean="0"/>
-              <a:t>배치 설명</a:t>
-            </a:r>
-            <a:endParaRPr lang="en-US" altLang="ko-KR" dirty="0" smtClean="0"/>
-          </a:p>
-          <a:p>
-            <a:r>
-              <a:rPr lang="ko-KR" altLang="en-US" smtClean="0"/>
-              <a:t>메모장 포맷 예시</a:t>
-            </a:r>
-            <a:endParaRPr lang="en-US" altLang="ko-KR" smtClean="0"/>
-          </a:p>
-          <a:p>
-            <a:r>
-              <a:rPr lang="ko-KR" altLang="en-US" sz="1200" kern="1200" smtClean="0">
-                <a:solidFill>
-                  <a:schemeClr val="tx1"/>
-                </a:solidFill>
-                <a:latin typeface="+mn-lt"/>
-                <a:ea typeface="+mn-ea"/>
-                <a:cs typeface="+mn-cs"/>
-              </a:rPr>
-              <a:t>아이디 존재 여부 확인</a:t>
-            </a:r>
-            <a:endParaRPr lang="en-US" altLang="ko-KR" sz="1200" kern="1200" smtClean="0">
-              <a:solidFill>
-                <a:schemeClr val="tx1"/>
-              </a:solidFill>
-              <a:latin typeface="+mn-lt"/>
-              <a:ea typeface="+mn-ea"/>
-              <a:cs typeface="+mn-cs"/>
-            </a:endParaRPr>
-          </a:p>
-          <a:p>
-            <a:r>
-              <a:rPr lang="ko-KR" altLang="en-US" sz="1200" kern="1200" smtClean="0">
-                <a:solidFill>
-                  <a:schemeClr val="tx1"/>
-                </a:solidFill>
-                <a:latin typeface="+mn-lt"/>
-                <a:ea typeface="+mn-ea"/>
-                <a:cs typeface="+mn-cs"/>
-              </a:rPr>
-              <a:t>비밀번호 일치 여부 확인</a:t>
-            </a:r>
-            <a:endParaRPr lang="en-US" altLang="ko-KR" sz="1200" kern="1200" smtClean="0">
-              <a:solidFill>
-                <a:schemeClr val="tx1"/>
-              </a:solidFill>
-              <a:latin typeface="+mn-lt"/>
-              <a:ea typeface="+mn-ea"/>
-              <a:cs typeface="+mn-cs"/>
-            </a:endParaRPr>
-          </a:p>
-          <a:p>
-            <a:r>
-              <a:rPr lang="en-US" altLang="ko-KR" sz="1200" kern="1200" dirty="0" smtClean="0">
-                <a:solidFill>
-                  <a:schemeClr val="tx1"/>
-                </a:solidFill>
-                <a:latin typeface="+mn-lt"/>
-                <a:ea typeface="+mn-ea"/>
-                <a:cs typeface="+mn-cs"/>
-              </a:rPr>
-              <a:t>// </a:t>
-            </a:r>
-            <a:r>
-              <a:rPr lang="ko-KR" altLang="en-US" sz="1200" kern="1200" smtClean="0">
-                <a:solidFill>
-                  <a:schemeClr val="tx1"/>
-                </a:solidFill>
-                <a:latin typeface="+mn-lt"/>
-                <a:ea typeface="+mn-ea"/>
-                <a:cs typeface="+mn-cs"/>
-              </a:rPr>
-              <a:t>로그인 성공 → 전화번호가 없을 수도 있음</a:t>
-            </a:r>
-            <a:endParaRPr lang="en-US" altLang="ko-KR" sz="1200" kern="1200" smtClean="0">
-              <a:solidFill>
-                <a:schemeClr val="tx1"/>
-              </a:solidFill>
-              <a:latin typeface="+mn-lt"/>
-              <a:ea typeface="+mn-ea"/>
-              <a:cs typeface="+mn-cs"/>
-            </a:endParaRPr>
-          </a:p>
-          <a:p>
-            <a:endParaRPr lang="en-US" altLang="ko-KR" sz="1200" kern="1200" dirty="0" smtClean="0">
-              <a:solidFill>
-                <a:schemeClr val="tx1"/>
-              </a:solidFill>
-              <a:latin typeface="+mn-lt"/>
-              <a:ea typeface="+mn-ea"/>
-              <a:cs typeface="+mn-cs"/>
-            </a:endParaRPr>
-          </a:p>
-          <a:p>
-            <a:r>
-              <a:rPr lang="en-US" altLang="ko-KR" dirty="0" smtClean="0"/>
-              <a:t>[</a:t>
-            </a:r>
-            <a:r>
-              <a:rPr lang="ko-KR" altLang="en-US" smtClean="0"/>
-              <a:t>로그인 시도</a:t>
-            </a:r>
-            <a:r>
-              <a:rPr lang="en-US" altLang="ko-KR" smtClean="0"/>
-              <a:t>]</a:t>
-            </a:r>
-          </a:p>
-          <a:p>
-            <a:r>
-              <a:rPr lang="en-US" altLang="ko-KR" dirty="0" smtClean="0"/>
-              <a:t>   └─ </a:t>
-            </a:r>
-            <a:r>
-              <a:rPr lang="ko-KR" altLang="en-US" smtClean="0"/>
-              <a:t>아이디 없음</a:t>
-            </a:r>
-            <a:r>
-              <a:rPr lang="en-US" altLang="ko-KR" smtClean="0"/>
-              <a:t>? </a:t>
-            </a:r>
-            <a:r>
-              <a:rPr lang="en-US" altLang="ko-KR" dirty="0" smtClean="0"/>
-              <a:t>→ "</a:t>
-            </a:r>
-            <a:r>
-              <a:rPr lang="ko-KR" altLang="en-US" smtClean="0"/>
-              <a:t>아이디가 존재하지 않습니다</a:t>
-            </a:r>
-            <a:r>
-              <a:rPr lang="en-US" altLang="ko-KR" smtClean="0"/>
-              <a:t>"</a:t>
-            </a:r>
-          </a:p>
-          <a:p>
-            <a:r>
-              <a:rPr lang="en-US" altLang="ko-KR" dirty="0" smtClean="0"/>
-              <a:t>   └─ </a:t>
-            </a:r>
-            <a:r>
-              <a:rPr lang="ko-KR" altLang="en-US" smtClean="0"/>
-              <a:t>비밀번호 다름</a:t>
-            </a:r>
-            <a:r>
-              <a:rPr lang="en-US" altLang="ko-KR" smtClean="0"/>
-              <a:t>? </a:t>
-            </a:r>
-            <a:r>
-              <a:rPr lang="en-US" altLang="ko-KR" dirty="0" smtClean="0"/>
-              <a:t>→ "</a:t>
-            </a:r>
-            <a:r>
-              <a:rPr lang="ko-KR" altLang="en-US" smtClean="0"/>
-              <a:t>비밀번호 불일치</a:t>
-            </a:r>
-            <a:r>
-              <a:rPr lang="en-US" altLang="ko-KR" smtClean="0"/>
-              <a:t>"</a:t>
-            </a:r>
-          </a:p>
-          <a:p>
-            <a:r>
-              <a:rPr lang="en-US" altLang="ko-KR" dirty="0" smtClean="0"/>
-              <a:t>   └─ </a:t>
-            </a:r>
-            <a:r>
-              <a:rPr lang="ko-KR" altLang="en-US" smtClean="0"/>
-              <a:t>성공 → 전화번호 있음</a:t>
-            </a:r>
-            <a:r>
-              <a:rPr lang="en-US" altLang="ko-KR" smtClean="0"/>
-              <a:t>? </a:t>
-            </a:r>
-            <a:r>
-              <a:rPr lang="en-US" altLang="ko-KR" dirty="0" smtClean="0"/>
-              <a:t>→ </a:t>
-            </a:r>
-            <a:r>
-              <a:rPr lang="ko-KR" altLang="en-US" smtClean="0"/>
-              <a:t>함께 표시</a:t>
-            </a:r>
-          </a:p>
-          <a:p>
-            <a:r>
-              <a:rPr lang="ko-KR" altLang="en-US" dirty="0" smtClean="0"/>
-              <a:t>                   └─ 없음 → </a:t>
-            </a:r>
-            <a:r>
-              <a:rPr lang="en-US" altLang="ko-KR" smtClean="0"/>
-              <a:t>"</a:t>
-            </a:r>
-            <a:r>
-              <a:rPr lang="ko-KR" altLang="en-US" smtClean="0"/>
-              <a:t>전화번호 없음</a:t>
-            </a:r>
-            <a:r>
-              <a:rPr lang="en-US" altLang="ko-KR" smtClean="0"/>
-              <a:t>"</a:t>
-            </a:r>
-            <a:r>
-              <a:rPr lang="ko-KR" altLang="en-US" smtClean="0"/>
-              <a:t>으로 표시</a:t>
-            </a:r>
-          </a:p>
-          <a:p>
             <a:endParaRPr lang="ko-KR" altLang="en-US" dirty="0"/>
           </a:p>
         </p:txBody>
@@ -1616,198 +1224,7 @@
           <a:bodyPr/>
           <a:lstStyle/>
           <a:p>
-            <a:r>
-              <a:rPr lang="ko-KR" altLang="en-US" dirty="0" smtClean="0"/>
-              <a:t>여러 데이터를 하나의 객체 안에 담아서</a:t>
-            </a:r>
-            <a:r>
-              <a:rPr lang="en-US" altLang="ko-KR" dirty="0" smtClean="0"/>
-              <a:t>, </a:t>
-            </a:r>
-            <a:r>
-              <a:rPr lang="ko-KR" altLang="en-US" dirty="0" smtClean="0"/>
-              <a:t>저장하고 관리할 수 있게 해주는 자료구조</a:t>
-            </a:r>
-            <a:r>
-              <a:rPr lang="en-US" altLang="ko-KR" dirty="0" smtClean="0"/>
-              <a:t>"</a:t>
-            </a:r>
-            <a:r>
-              <a:rPr lang="ko-KR" altLang="en-US" dirty="0" smtClean="0"/>
-              <a:t>입니다</a:t>
-            </a:r>
-            <a:r>
-              <a:rPr lang="en-US" altLang="ko-KR" dirty="0" smtClean="0"/>
-              <a:t>.</a:t>
-            </a:r>
-          </a:p>
-          <a:p>
-            <a:r>
-              <a:rPr lang="en-US" altLang="ko-KR" dirty="0" smtClean="0"/>
-              <a:t>C</a:t>
-            </a:r>
-            <a:r>
-              <a:rPr lang="en-US" altLang="ko-KR" dirty="0"/>
-              <a:t>#</a:t>
-            </a:r>
-            <a:r>
-              <a:rPr lang="ko-KR" altLang="en-US" dirty="0"/>
-              <a:t>에서는 </a:t>
-            </a:r>
-            <a:r>
-              <a:rPr lang="en-US" altLang="ko-KR" dirty="0" err="1"/>
-              <a:t>System.Collections</a:t>
-            </a:r>
-            <a:r>
-              <a:rPr lang="en-US" altLang="ko-KR" dirty="0"/>
-              <a:t> </a:t>
-            </a:r>
-            <a:r>
-              <a:rPr lang="ko-KR" altLang="en-US" dirty="0"/>
-              <a:t>또는 </a:t>
-            </a:r>
-            <a:r>
-              <a:rPr lang="en-US" altLang="ko-KR" dirty="0" err="1"/>
-              <a:t>System.Collections.Generic</a:t>
-            </a:r>
-            <a:r>
-              <a:rPr lang="en-US" altLang="ko-KR" dirty="0"/>
-              <a:t> </a:t>
-            </a:r>
-            <a:r>
-              <a:rPr lang="ko-KR" altLang="en-US" dirty="0"/>
-              <a:t>네임스페이스에 다양한 컬렉션 클래스들이 정의되어 있음</a:t>
-            </a:r>
-            <a:endParaRPr lang="en-US" altLang="ko-KR" dirty="0"/>
-          </a:p>
-          <a:p>
-            <a:r>
-              <a:rPr lang="ko-KR" altLang="en-US" dirty="0"/>
-              <a:t>배열보다 동적 크기 조절이 가능하고</a:t>
-            </a:r>
-            <a:r>
-              <a:rPr lang="en-US" altLang="ko-KR" dirty="0"/>
-              <a:t>, </a:t>
-            </a:r>
-            <a:r>
-              <a:rPr lang="ko-KR" altLang="en-US" dirty="0"/>
-              <a:t>삽입</a:t>
-            </a:r>
-            <a:r>
-              <a:rPr lang="en-US" altLang="ko-KR" dirty="0"/>
-              <a:t>/</a:t>
-            </a:r>
-            <a:r>
-              <a:rPr lang="ko-KR" altLang="en-US" dirty="0"/>
-              <a:t>삭제</a:t>
-            </a:r>
-            <a:r>
-              <a:rPr lang="en-US" altLang="ko-KR" dirty="0"/>
-              <a:t>/</a:t>
-            </a:r>
-            <a:r>
-              <a:rPr lang="ko-KR" altLang="en-US" dirty="0"/>
-              <a:t>검색 등의 기능이 편리함</a:t>
-            </a:r>
-            <a:r>
-              <a:rPr lang="en-US" altLang="ko-KR" dirty="0"/>
-              <a:t>.</a:t>
-            </a:r>
-          </a:p>
-          <a:p>
-            <a:endParaRPr lang="en-US" altLang="ko-KR" dirty="0"/>
-          </a:p>
-          <a:p>
-            <a:r>
-              <a:rPr lang="en-US" altLang="ko-KR" dirty="0" err="1"/>
-              <a:t>System.Collections</a:t>
-            </a:r>
-            <a:r>
-              <a:rPr lang="ko-KR" altLang="en-US" dirty="0"/>
-              <a:t>은 </a:t>
-            </a:r>
-            <a:r>
-              <a:rPr lang="ko-KR" altLang="en-US" b="1" dirty="0" err="1"/>
-              <a:t>비제네릭</a:t>
-            </a:r>
-            <a:r>
-              <a:rPr lang="ko-KR" altLang="en-US" b="1" dirty="0"/>
-              <a:t> 컬렉션</a:t>
-            </a:r>
-            <a:r>
-              <a:rPr lang="en-US" altLang="ko-KR" dirty="0"/>
-              <a:t>, - object </a:t>
-            </a:r>
-            <a:r>
-              <a:rPr lang="ko-KR" altLang="en-US" dirty="0"/>
-              <a:t>기반</a:t>
-            </a:r>
-            <a:r>
-              <a:rPr lang="en-US" altLang="ko-KR" dirty="0"/>
-              <a:t>. </a:t>
-            </a:r>
-            <a:r>
-              <a:rPr lang="ko-KR" altLang="en-US" dirty="0"/>
-              <a:t>옛날 방식</a:t>
-            </a:r>
-            <a:r>
-              <a:rPr lang="en-US" altLang="ko-KR" dirty="0"/>
-              <a:t/>
-            </a:r>
-            <a:br>
-              <a:rPr lang="en-US" altLang="ko-KR" dirty="0"/>
-            </a:br>
-            <a:r>
-              <a:rPr lang="en-US" altLang="ko-KR" dirty="0" err="1"/>
-              <a:t>System.Collections.Generic</a:t>
-            </a:r>
-            <a:r>
-              <a:rPr lang="ko-KR" altLang="en-US" dirty="0"/>
-              <a:t>은 </a:t>
-            </a:r>
-            <a:r>
-              <a:rPr lang="ko-KR" altLang="en-US" b="1" dirty="0"/>
-              <a:t>제네릭 컬렉션</a:t>
-            </a:r>
-            <a:r>
-              <a:rPr lang="en-US" altLang="ko-KR" dirty="0"/>
-              <a:t>, - </a:t>
-            </a:r>
-            <a:r>
-              <a:rPr lang="ko-KR" altLang="en-US" dirty="0"/>
-              <a:t>타입 안전하고 성능 좋음</a:t>
-            </a:r>
-            <a:endParaRPr lang="en-US" altLang="ko-KR" dirty="0"/>
-          </a:p>
-          <a:p>
-            <a:r>
-              <a:rPr lang="en-US" altLang="ko-KR" dirty="0" err="1"/>
-              <a:t>System.Collections.Concurrent</a:t>
-            </a:r>
-            <a:r>
-              <a:rPr lang="ko-KR" altLang="en-US" dirty="0"/>
-              <a:t>는 </a:t>
-            </a:r>
-            <a:r>
-              <a:rPr lang="ko-KR" altLang="en-US" b="1" dirty="0"/>
-              <a:t>스레드 안전한 컬렉션</a:t>
-            </a:r>
-            <a:r>
-              <a:rPr lang="ko-KR" altLang="en-US" dirty="0"/>
-              <a:t>을 제공합니다</a:t>
-            </a:r>
-            <a:r>
-              <a:rPr lang="en-US" altLang="ko-KR" dirty="0"/>
-              <a:t>. - </a:t>
-            </a:r>
-            <a:r>
-              <a:rPr lang="ko-KR" altLang="en-US" dirty="0" err="1"/>
-              <a:t>멀티스레딩</a:t>
-            </a:r>
-            <a:r>
-              <a:rPr lang="ko-KR" altLang="en-US" dirty="0"/>
-              <a:t> 환경에서 사용</a:t>
-            </a:r>
+            <a:endParaRPr lang="ko-KR" altLang="en-US" dirty="0"/>
           </a:p>
         </p:txBody>
       </p:sp>
@@ -1975,237 +1392,6 @@
           <a:bodyPr/>
           <a:lstStyle/>
           <a:p>
-            <a:r>
-              <a:rPr lang="ko-KR" altLang="en-US" b="1" dirty="0" err="1" smtClean="0"/>
-              <a:t>비제네릭</a:t>
-            </a:r>
-            <a:r>
-              <a:rPr lang="ko-KR" altLang="en-US" b="1" dirty="0" smtClean="0"/>
-              <a:t> 컬렉션</a:t>
-            </a:r>
-            <a:r>
-              <a:rPr lang="ko-KR" altLang="en-US" dirty="0" smtClean="0"/>
-              <a:t>이란</a:t>
-            </a:r>
-            <a:r>
-              <a:rPr lang="en-US" altLang="ko-KR" dirty="0" smtClean="0"/>
-              <a:t>,</a:t>
-            </a:r>
-          </a:p>
-          <a:p>
-            <a:r>
-              <a:rPr lang="ko-KR" altLang="en-US" dirty="0" smtClean="0"/>
-              <a:t>타입을 </a:t>
-            </a:r>
-            <a:r>
-              <a:rPr lang="ko-KR" altLang="en-US" b="1" dirty="0" smtClean="0"/>
-              <a:t>일반화</a:t>
-            </a:r>
-            <a:r>
-              <a:rPr lang="en-US" altLang="ko-KR" b="1" dirty="0" smtClean="0"/>
-              <a:t>(generic)</a:t>
-            </a:r>
-            <a:r>
-              <a:rPr lang="ko-KR" altLang="en-US" dirty="0" smtClean="0"/>
-              <a:t> 하지 않고</a:t>
-            </a:r>
-            <a:r>
-              <a:rPr lang="en-US" altLang="ko-KR" dirty="0" smtClean="0"/>
-              <a:t>,</a:t>
-            </a:r>
-            <a:br>
-              <a:rPr lang="en-US" altLang="ko-KR" dirty="0" smtClean="0"/>
-            </a:br>
-            <a:r>
-              <a:rPr lang="ko-KR" altLang="en-US" dirty="0" smtClean="0"/>
-              <a:t>모든 데이터를 </a:t>
-            </a:r>
-            <a:r>
-              <a:rPr lang="en-US" altLang="ko-KR" b="1" dirty="0" smtClean="0"/>
-              <a:t>object </a:t>
-            </a:r>
-            <a:r>
-              <a:rPr lang="ko-KR" altLang="en-US" b="1" dirty="0" smtClean="0"/>
-              <a:t>타입으로 저장</a:t>
-            </a:r>
-            <a:r>
-              <a:rPr lang="ko-KR" altLang="en-US" dirty="0" smtClean="0"/>
-              <a:t>하는 컬렉션입니다</a:t>
-            </a:r>
-            <a:r>
-              <a:rPr lang="en-US" altLang="ko-KR" dirty="0" smtClean="0"/>
-              <a:t>.</a:t>
-            </a:r>
-          </a:p>
-          <a:p>
-            <a:r>
-              <a:rPr lang="ko-KR" altLang="en-US" dirty="0" smtClean="0"/>
-              <a:t>즉</a:t>
-            </a:r>
-            <a:r>
-              <a:rPr lang="en-US" altLang="ko-KR" dirty="0" smtClean="0"/>
-              <a:t>, </a:t>
-            </a:r>
-            <a:r>
-              <a:rPr lang="ko-KR" altLang="en-US" dirty="0" smtClean="0"/>
-              <a:t>어떤 타입이든 다 넣을 수 있지만</a:t>
-            </a:r>
-            <a:r>
-              <a:rPr lang="en-US" altLang="ko-KR" dirty="0" smtClean="0"/>
-              <a:t>,</a:t>
-            </a:r>
-          </a:p>
-          <a:p>
-            <a:r>
-              <a:rPr lang="ko-KR" altLang="en-US" dirty="0" smtClean="0"/>
-              <a:t>내부에서는 </a:t>
-            </a:r>
-            <a:r>
-              <a:rPr lang="en-US" altLang="ko-KR" dirty="0" smtClean="0"/>
-              <a:t>object</a:t>
-            </a:r>
-            <a:r>
-              <a:rPr lang="ko-KR" altLang="en-US" dirty="0" smtClean="0"/>
-              <a:t>로 처리되므로 </a:t>
-            </a:r>
-            <a:r>
-              <a:rPr lang="ko-KR" altLang="en-US" b="1" dirty="0" err="1" smtClean="0"/>
-              <a:t>형변환</a:t>
-            </a:r>
-            <a:r>
-              <a:rPr lang="en-US" altLang="ko-KR" b="1" dirty="0" smtClean="0"/>
-              <a:t>(casting)</a:t>
-            </a:r>
-            <a:r>
-              <a:rPr lang="ko-KR" altLang="en-US" dirty="0" smtClean="0"/>
-              <a:t> 이 꼭 필요합니다</a:t>
-            </a:r>
-            <a:r>
-              <a:rPr lang="en-US" altLang="ko-KR" dirty="0" smtClean="0"/>
-              <a:t>.</a:t>
-            </a:r>
-          </a:p>
-          <a:p>
-            <a:endParaRPr lang="en-US" altLang="ko-KR" dirty="0" smtClean="0"/>
-          </a:p>
-          <a:p>
-            <a:endParaRPr lang="en-US" altLang="ko-KR" dirty="0" smtClean="0"/>
-          </a:p>
-          <a:p>
-            <a:r>
-              <a:rPr lang="ko-KR" altLang="en-US" dirty="0" smtClean="0"/>
-              <a:t>“제네릭 컬렉션이 기본입니다</a:t>
-            </a:r>
-            <a:r>
-              <a:rPr lang="en-US" altLang="ko-KR" dirty="0" smtClean="0"/>
-              <a:t>. </a:t>
-            </a:r>
-            <a:r>
-              <a:rPr lang="ko-KR" altLang="en-US" dirty="0" err="1" smtClean="0"/>
-              <a:t>비제네릭은</a:t>
-            </a:r>
-            <a:r>
-              <a:rPr lang="ko-KR" altLang="en-US" dirty="0" smtClean="0"/>
-              <a:t> 과거 방식이에요</a:t>
-            </a:r>
-            <a:r>
-              <a:rPr lang="en-US" altLang="ko-KR" dirty="0" smtClean="0"/>
-              <a:t>.”</a:t>
-            </a:r>
-          </a:p>
-          <a:p>
-            <a:r>
-              <a:rPr lang="ko-KR" altLang="en-US" dirty="0" err="1" smtClean="0"/>
-              <a:t>비제네릭</a:t>
-            </a:r>
-            <a:r>
-              <a:rPr lang="ko-KR" altLang="en-US" dirty="0" smtClean="0"/>
-              <a:t> 컬렉션</a:t>
-            </a:r>
-            <a:endParaRPr lang="en-US" altLang="ko-KR" baseline="0" dirty="0" smtClean="0"/>
-          </a:p>
-          <a:p>
-            <a:pPr marL="171450" indent="-171450">
-              <a:buFontTx/>
-              <a:buChar char="-"/>
-            </a:pPr>
-            <a:r>
-              <a:rPr lang="en-US" altLang="ko-KR" dirty="0" smtClean="0"/>
-              <a:t>C# </a:t>
-            </a:r>
-            <a:r>
-              <a:rPr lang="ko-KR" altLang="en-US" dirty="0" smtClean="0"/>
-              <a:t>최신 개발에서는 </a:t>
-            </a:r>
-            <a:r>
-              <a:rPr lang="ko-KR" altLang="en-US" b="1" dirty="0" smtClean="0"/>
-              <a:t>거의 사용하지 않음</a:t>
-            </a:r>
-            <a:endParaRPr lang="en-US" altLang="ko-KR" b="1" dirty="0" smtClean="0"/>
-          </a:p>
-          <a:p>
-            <a:pPr marL="171450" indent="-171450">
-              <a:buFontTx/>
-              <a:buChar char="-"/>
-            </a:pPr>
-            <a:r>
-              <a:rPr lang="ko-KR" altLang="en-US" dirty="0" smtClean="0"/>
-              <a:t>👉 </a:t>
-            </a:r>
-            <a:r>
-              <a:rPr lang="en-US" altLang="ko-KR" dirty="0" smtClean="0"/>
-              <a:t>"</a:t>
-            </a:r>
-            <a:r>
-              <a:rPr lang="ko-KR" altLang="en-US" dirty="0" smtClean="0"/>
-              <a:t>옛날 방식이고</a:t>
-            </a:r>
-            <a:r>
-              <a:rPr lang="en-US" altLang="ko-KR" dirty="0" smtClean="0"/>
-              <a:t>, </a:t>
-            </a:r>
-            <a:r>
-              <a:rPr lang="ko-KR" altLang="en-US" dirty="0" smtClean="0"/>
-              <a:t>지금은 제네릭 쓰는 게 표준입니다</a:t>
-            </a:r>
-            <a:r>
-              <a:rPr lang="en-US" altLang="ko-KR" dirty="0" smtClean="0"/>
-              <a:t>"</a:t>
-            </a:r>
-            <a:r>
-              <a:rPr lang="ko-KR" altLang="en-US" dirty="0" smtClean="0"/>
-              <a:t>라고 강조</a:t>
-            </a:r>
-            <a:endParaRPr lang="en-US" altLang="ko-KR" dirty="0" smtClean="0"/>
-          </a:p>
-          <a:p>
-            <a:pPr marL="171450" indent="-171450">
-              <a:buFontTx/>
-              <a:buChar char="-"/>
-            </a:pPr>
-            <a:endParaRPr lang="en-US" altLang="ko-KR" baseline="0" dirty="0" smtClean="0"/>
-          </a:p>
-          <a:p>
-            <a:pPr marL="171450" indent="-171450">
-              <a:buFontTx/>
-              <a:buChar char="-"/>
-            </a:pPr>
-            <a:r>
-              <a:rPr lang="ko-KR" altLang="en-US" dirty="0" smtClean="0"/>
-              <a:t>오늘날에는 </a:t>
-            </a:r>
-            <a:r>
-              <a:rPr lang="ko-KR" altLang="en-US" b="1" dirty="0" smtClean="0"/>
-              <a:t>제네릭 컬렉션을 더 많이 사용</a:t>
-            </a:r>
-            <a:r>
-              <a:rPr lang="ko-KR" altLang="en-US" dirty="0" smtClean="0"/>
-              <a:t>합니다</a:t>
-            </a:r>
-            <a:r>
-              <a:rPr lang="en-US" altLang="ko-KR" dirty="0" smtClean="0"/>
-              <a:t>.</a:t>
-            </a:r>
             <a:endParaRPr lang="en-US" altLang="ko-KR" baseline="0" dirty="0" smtClean="0"/>
           </a:p>
         </p:txBody>
@@ -2290,84 +1476,6 @@
           <a:bodyPr/>
           <a:lstStyle/>
           <a:p>
-            <a:r>
-              <a:rPr lang="ko-KR" altLang="en-US" dirty="0" smtClean="0"/>
-              <a:t>내부적으로는 </a:t>
-            </a:r>
-            <a:r>
-              <a:rPr lang="en-US" altLang="ko-KR" b="1" dirty="0" smtClean="0"/>
-              <a:t>object </a:t>
-            </a:r>
-            <a:r>
-              <a:rPr lang="ko-KR" altLang="en-US" b="1" dirty="0" smtClean="0"/>
-              <a:t>타입으로 데이터를 저장</a:t>
-            </a:r>
-            <a:r>
-              <a:rPr lang="ko-KR" altLang="en-US" dirty="0" smtClean="0"/>
-              <a:t>하기 때문에 </a:t>
-            </a:r>
-            <a:r>
-              <a:rPr lang="ko-KR" altLang="en-US" b="1" dirty="0" smtClean="0"/>
-              <a:t>모든 타입을 담을 수 있습니다</a:t>
-            </a:r>
-            <a:endParaRPr lang="en-US" altLang="ko-KR" b="1" dirty="0" smtClean="0"/>
-          </a:p>
-          <a:p>
-            <a:endParaRPr lang="en-US" altLang="ko-KR" b="1" dirty="0" smtClean="0"/>
-          </a:p>
-          <a:p>
-            <a:r>
-              <a:rPr lang="en-US" altLang="ko-KR" dirty="0" err="1" smtClean="0"/>
-              <a:t>Array.Sort</a:t>
-            </a:r>
-            <a:r>
-              <a:rPr lang="en-US" altLang="ko-KR" dirty="0" smtClean="0"/>
-              <a:t>()</a:t>
-            </a:r>
-            <a:r>
-              <a:rPr lang="ko-KR" altLang="en-US" dirty="0" smtClean="0"/>
-              <a:t>나 </a:t>
-            </a:r>
-            <a:r>
-              <a:rPr lang="en-US" altLang="ko-KR" dirty="0" err="1" smtClean="0"/>
-              <a:t>Array.Reverse</a:t>
-            </a:r>
-            <a:r>
-              <a:rPr lang="en-US" altLang="ko-KR" dirty="0" smtClean="0"/>
-              <a:t>()</a:t>
-            </a:r>
-            <a:r>
-              <a:rPr lang="ko-KR" altLang="en-US" dirty="0" smtClean="0"/>
-              <a:t>처럼 </a:t>
-            </a:r>
-            <a:r>
-              <a:rPr lang="ko-KR" altLang="en-US" b="1" dirty="0" smtClean="0"/>
-              <a:t>배열 관련 메서드</a:t>
-            </a:r>
-            <a:r>
-              <a:rPr lang="ko-KR" altLang="en-US" dirty="0" smtClean="0"/>
-              <a:t>와는 전혀 다른 </a:t>
-            </a:r>
-            <a:r>
-              <a:rPr lang="en-US" altLang="ko-KR" b="1" dirty="0" err="1" smtClean="0"/>
-              <a:t>ArrayList</a:t>
-            </a:r>
-            <a:r>
-              <a:rPr lang="en-US" altLang="ko-KR" b="1" dirty="0" smtClean="0"/>
-              <a:t> </a:t>
-            </a:r>
-            <a:r>
-              <a:rPr lang="ko-KR" altLang="en-US" b="1" dirty="0" smtClean="0"/>
-              <a:t>전용 인스턴스 메서드</a:t>
-            </a:r>
-            <a:r>
-              <a:rPr lang="ko-KR" altLang="en-US" dirty="0" smtClean="0"/>
-              <a:t>입니다</a:t>
-            </a:r>
-            <a:r>
-              <a:rPr lang="en-US" altLang="ko-KR" dirty="0" smtClean="0"/>
-              <a:t>.</a:t>
-            </a:r>
             <a:endParaRPr lang="en-US" altLang="ko-KR" dirty="0"/>
           </a:p>
         </p:txBody>
@@ -2452,84 +1560,6 @@
           <a:bodyPr/>
           <a:lstStyle/>
           <a:p>
-            <a:r>
-              <a:rPr lang="ko-KR" altLang="en-US" dirty="0" smtClean="0"/>
-              <a:t>내부적으로는 </a:t>
-            </a:r>
-            <a:r>
-              <a:rPr lang="en-US" altLang="ko-KR" b="1" dirty="0" smtClean="0"/>
-              <a:t>object </a:t>
-            </a:r>
-            <a:r>
-              <a:rPr lang="ko-KR" altLang="en-US" b="1" dirty="0" smtClean="0"/>
-              <a:t>타입으로 데이터를 저장</a:t>
-            </a:r>
-            <a:r>
-              <a:rPr lang="ko-KR" altLang="en-US" dirty="0" smtClean="0"/>
-              <a:t>하기 때문에 </a:t>
-            </a:r>
-            <a:r>
-              <a:rPr lang="ko-KR" altLang="en-US" b="1" dirty="0" smtClean="0"/>
-              <a:t>모든 타입을 담을 수 있습니다</a:t>
-            </a:r>
-            <a:endParaRPr lang="en-US" altLang="ko-KR" b="1" dirty="0" smtClean="0"/>
-          </a:p>
-          <a:p>
-            <a:endParaRPr lang="en-US" altLang="ko-KR" b="1" dirty="0" smtClean="0"/>
-          </a:p>
-          <a:p>
-            <a:r>
-              <a:rPr lang="en-US" altLang="ko-KR" dirty="0" err="1" smtClean="0"/>
-              <a:t>Array.Sort</a:t>
-            </a:r>
-            <a:r>
-              <a:rPr lang="en-US" altLang="ko-KR" dirty="0" smtClean="0"/>
-              <a:t>()</a:t>
-            </a:r>
-            <a:r>
-              <a:rPr lang="ko-KR" altLang="en-US" dirty="0" smtClean="0"/>
-              <a:t>나 </a:t>
-            </a:r>
-            <a:r>
-              <a:rPr lang="en-US" altLang="ko-KR" dirty="0" err="1" smtClean="0"/>
-              <a:t>Array.Reverse</a:t>
-            </a:r>
-            <a:r>
-              <a:rPr lang="en-US" altLang="ko-KR" dirty="0" smtClean="0"/>
-              <a:t>()</a:t>
-            </a:r>
-            <a:r>
-              <a:rPr lang="ko-KR" altLang="en-US" dirty="0" smtClean="0"/>
-              <a:t>처럼 </a:t>
-            </a:r>
-            <a:r>
-              <a:rPr lang="ko-KR" altLang="en-US" b="1" dirty="0" smtClean="0"/>
-              <a:t>배열 관련 메서드</a:t>
-            </a:r>
-            <a:r>
-              <a:rPr lang="ko-KR" altLang="en-US" dirty="0" smtClean="0"/>
-              <a:t>와는 전혀 다른 </a:t>
-            </a:r>
-            <a:r>
-              <a:rPr lang="en-US" altLang="ko-KR" b="1" dirty="0" err="1" smtClean="0"/>
-              <a:t>ArrayList</a:t>
-            </a:r>
-            <a:r>
-              <a:rPr lang="en-US" altLang="ko-KR" b="1" dirty="0" smtClean="0"/>
-              <a:t> </a:t>
-            </a:r>
-            <a:r>
-              <a:rPr lang="ko-KR" altLang="en-US" b="1" dirty="0" smtClean="0"/>
-              <a:t>전용 인스턴스 메서드</a:t>
-            </a:r>
-            <a:r>
-              <a:rPr lang="ko-KR" altLang="en-US" dirty="0" smtClean="0"/>
-              <a:t>입니다</a:t>
-            </a:r>
-            <a:r>
-              <a:rPr lang="en-US" altLang="ko-KR" dirty="0" smtClean="0"/>
-              <a:t>.</a:t>
-            </a:r>
             <a:endParaRPr lang="en-US" altLang="ko-KR" dirty="0"/>
           </a:p>
         </p:txBody>
@@ -2614,99 +1644,6 @@
           <a:bodyPr/>
           <a:lstStyle/>
           <a:p>
-            <a:r>
-              <a:rPr lang="en-US" altLang="ko-KR" dirty="0" smtClean="0"/>
-              <a:t>Stack</a:t>
-            </a:r>
-            <a:r>
-              <a:rPr lang="ko-KR" altLang="en-US" dirty="0" smtClean="0"/>
-              <a:t>은 </a:t>
-            </a:r>
-            <a:r>
-              <a:rPr lang="ko-KR" altLang="en-US" b="1" dirty="0" err="1" smtClean="0"/>
-              <a:t>후입선출</a:t>
-            </a:r>
-            <a:r>
-              <a:rPr lang="ko-KR" altLang="en-US" b="1" dirty="0" smtClean="0"/>
-              <a:t> </a:t>
-            </a:r>
-            <a:r>
-              <a:rPr lang="en-US" altLang="ko-KR" b="1" dirty="0" smtClean="0"/>
-              <a:t>(LIFO, Last-In-First-Out)</a:t>
-            </a:r>
-            <a:r>
-              <a:rPr lang="ko-KR" altLang="en-US" dirty="0" smtClean="0"/>
-              <a:t> 방식의 컬렉션입니다</a:t>
-            </a:r>
-            <a:r>
-              <a:rPr lang="en-US" altLang="ko-KR" dirty="0" smtClean="0"/>
-              <a:t>.</a:t>
-            </a:r>
-          </a:p>
-          <a:p>
-            <a:r>
-              <a:rPr lang="ko-KR" altLang="en-US" dirty="0" smtClean="0"/>
-              <a:t>즉</a:t>
-            </a:r>
-            <a:r>
-              <a:rPr lang="en-US" altLang="ko-KR" dirty="0" smtClean="0"/>
-              <a:t>, </a:t>
-            </a:r>
-            <a:r>
-              <a:rPr lang="ko-KR" altLang="en-US" b="1" dirty="0" smtClean="0"/>
-              <a:t>나중에 넣은 데이터가 먼저 나오는 구조</a:t>
-            </a:r>
-            <a:r>
-              <a:rPr lang="ko-KR" altLang="en-US" dirty="0" smtClean="0"/>
-              <a:t>입니다</a:t>
-            </a:r>
-            <a:r>
-              <a:rPr lang="en-US" altLang="ko-KR" dirty="0" smtClean="0"/>
-              <a:t>.</a:t>
-            </a:r>
-            <a:br>
-              <a:rPr lang="en-US" altLang="ko-KR" dirty="0" smtClean="0"/>
-            </a:br>
-            <a:r>
-              <a:rPr lang="en-US" altLang="ko-KR" dirty="0" smtClean="0"/>
-              <a:t>"</a:t>
-            </a:r>
-            <a:r>
-              <a:rPr lang="ko-KR" altLang="en-US" dirty="0" err="1" smtClean="0"/>
-              <a:t>쌓아올린</a:t>
-            </a:r>
-            <a:r>
-              <a:rPr lang="ko-KR" altLang="en-US" dirty="0" smtClean="0"/>
-              <a:t> 접시</a:t>
-            </a:r>
-            <a:r>
-              <a:rPr lang="en-US" altLang="ko-KR" dirty="0" smtClean="0"/>
-              <a:t>", "</a:t>
-            </a:r>
-            <a:r>
-              <a:rPr lang="ko-KR" altLang="en-US" dirty="0" smtClean="0"/>
-              <a:t>책 더미</a:t>
-            </a:r>
-            <a:r>
-              <a:rPr lang="en-US" altLang="ko-KR" dirty="0" smtClean="0"/>
-              <a:t>", "</a:t>
-            </a:r>
-            <a:r>
-              <a:rPr lang="ko-KR" altLang="en-US" dirty="0" smtClean="0"/>
-              <a:t>되돌리기 기능</a:t>
-            </a:r>
-            <a:r>
-              <a:rPr lang="en-US" altLang="ko-KR" dirty="0" smtClean="0"/>
-              <a:t>(Undo)" </a:t>
-            </a:r>
-            <a:r>
-              <a:rPr lang="ko-KR" altLang="en-US" dirty="0" smtClean="0"/>
-              <a:t>같은 구조로 생각하면 됩니다</a:t>
-            </a:r>
-            <a:r>
-              <a:rPr lang="en-US" altLang="ko-KR" dirty="0" smtClean="0"/>
-              <a:t>.</a:t>
-            </a:r>
             <a:endParaRPr lang="en-US" altLang="ko-KR" dirty="0"/>
           </a:p>
         </p:txBody>
@@ -2875,115 +1812,6 @@
           <a:bodyPr/>
           <a:lstStyle/>
           <a:p>
-            <a:r>
-              <a:rPr lang="ko-KR" altLang="en-US" sz="1200" kern="1200" dirty="0" smtClean="0">
-                <a:solidFill>
-                  <a:schemeClr val="tx1"/>
-                </a:solidFill>
-                <a:latin typeface="+mn-lt"/>
-                <a:ea typeface="+mn-ea"/>
-                <a:cs typeface="+mn-cs"/>
-              </a:rPr>
-              <a:t>선입선출 </a:t>
-            </a:r>
-            <a:r>
-              <a:rPr lang="en-US" altLang="ko-KR" sz="1200" kern="1200" dirty="0" smtClean="0">
-                <a:solidFill>
-                  <a:schemeClr val="tx1"/>
-                </a:solidFill>
-                <a:latin typeface="+mn-lt"/>
-                <a:ea typeface="+mn-ea"/>
-                <a:cs typeface="+mn-cs"/>
-              </a:rPr>
-              <a:t>(FIFO, </a:t>
-            </a:r>
-            <a:r>
-              <a:rPr lang="en-US" altLang="ko-KR" sz="1200" kern="1200" dirty="0" err="1" smtClean="0">
-                <a:solidFill>
-                  <a:schemeClr val="tx1"/>
-                </a:solidFill>
-                <a:latin typeface="+mn-lt"/>
-                <a:ea typeface="+mn-ea"/>
-                <a:cs typeface="+mn-cs"/>
-              </a:rPr>
-              <a:t>Fisrt</a:t>
-            </a:r>
-            <a:r>
-              <a:rPr lang="en-US" altLang="ko-KR" sz="1200" kern="1200" dirty="0" smtClean="0">
-                <a:solidFill>
-                  <a:schemeClr val="tx1"/>
-                </a:solidFill>
-                <a:latin typeface="+mn-lt"/>
-                <a:ea typeface="+mn-ea"/>
-                <a:cs typeface="+mn-cs"/>
-              </a:rPr>
-              <a:t>-In-First-Out) </a:t>
-            </a:r>
-            <a:r>
-              <a:rPr lang="ko-KR" altLang="en-US" sz="1200" kern="1200" dirty="0" smtClean="0">
-                <a:solidFill>
-                  <a:schemeClr val="tx1"/>
-                </a:solidFill>
-                <a:latin typeface="+mn-lt"/>
-                <a:ea typeface="+mn-ea"/>
-                <a:cs typeface="+mn-cs"/>
-              </a:rPr>
-              <a:t>방식의 컬렉션</a:t>
-            </a:r>
-            <a:endParaRPr lang="en-US" altLang="ko-KR" sz="1200" kern="1200" dirty="0" smtClean="0">
-              <a:solidFill>
-                <a:schemeClr val="tx1"/>
-              </a:solidFill>
-              <a:latin typeface="+mn-lt"/>
-              <a:ea typeface="+mn-ea"/>
-              <a:cs typeface="+mn-cs"/>
-            </a:endParaRPr>
-          </a:p>
-          <a:p>
-            <a:r>
-              <a:rPr lang="ko-KR" altLang="en-US" sz="1200" kern="1200" dirty="0" smtClean="0">
-                <a:solidFill>
-                  <a:schemeClr val="tx1"/>
-                </a:solidFill>
-                <a:latin typeface="+mn-lt"/>
-                <a:ea typeface="+mn-ea"/>
-                <a:cs typeface="+mn-cs"/>
-              </a:rPr>
-              <a:t>즉</a:t>
-            </a:r>
-            <a:r>
-              <a:rPr lang="en-US" altLang="ko-KR" sz="1200" kern="1200" dirty="0" smtClean="0">
-                <a:solidFill>
-                  <a:schemeClr val="tx1"/>
-                </a:solidFill>
-                <a:latin typeface="+mn-lt"/>
-                <a:ea typeface="+mn-ea"/>
-                <a:cs typeface="+mn-cs"/>
-              </a:rPr>
-              <a:t>, </a:t>
-            </a:r>
-            <a:r>
-              <a:rPr lang="ko-KR" altLang="en-US" sz="1200" kern="1200" dirty="0" smtClean="0">
-                <a:solidFill>
-                  <a:schemeClr val="tx1"/>
-                </a:solidFill>
-                <a:latin typeface="+mn-lt"/>
-                <a:ea typeface="+mn-ea"/>
-                <a:cs typeface="+mn-cs"/>
-              </a:rPr>
-              <a:t>먼저 넣은 데이터가 먼저 나오는 구조</a:t>
-            </a:r>
-            <a:r>
-              <a:rPr lang="en-US" altLang="ko-KR" sz="1200" kern="1200" dirty="0" smtClean="0">
-                <a:solidFill>
-                  <a:schemeClr val="tx1"/>
-                </a:solidFill>
-                <a:latin typeface="+mn-lt"/>
-                <a:ea typeface="+mn-ea"/>
-                <a:cs typeface="+mn-cs"/>
-              </a:rPr>
-              <a:t>.</a:t>
-            </a:r>
             <a:endParaRPr lang="ko-KR" altLang="en-US" dirty="0"/>
           </a:p>
         </p:txBody>
@@ -3165,7 +1993,7 @@
           <a:p>
             <a:fld id="{442BEE3F-2E9A-4FD8-8B8A-8619F3E161C0}" type="datetime1">
               <a:rPr lang="ko-KR" altLang="en-US" smtClean="0"/>
-              <a:t>2025-05-15</a:t>
+              <a:t>2025-06-08</a:t>
             </a:fld>
             <a:endParaRPr lang="ko-KR" altLang="en-US"/>
           </a:p>
@@ -3351,7 +2179,7 @@
           <a:p>
             <a:fld id="{2EAE422B-0E68-47B5-84BB-CA2BDA8EE46C}" type="datetime1">
               <a:rPr lang="ko-KR" altLang="en-US" smtClean="0"/>
-              <a:t>2025-05-15</a:t>
+              <a:t>2025-06-08</a:t>
             </a:fld>
             <a:endParaRPr lang="ko-KR" altLang="en-US"/>
           </a:p>
@@ -3559,7 +2387,7 @@
           <a:p>
             <a:fld id="{AF7C623F-179B-417F-99B6-50F6DF228D4B}" type="datetime1">
               <a:rPr lang="ko-KR" altLang="en-US" smtClean="0"/>
-              <a:t>2025-05-15</a:t>
+              <a:t>2025-06-08</a:t>
             </a:fld>
             <a:endParaRPr lang="ko-KR" altLang="en-US"/>
           </a:p>
@@ -3801,7 +2629,7 @@
           <a:p>
             <a:fld id="{0F78D9C4-20C1-4B15-A116-16DC77AD9A1E}" type="datetime1">
               <a:rPr lang="ko-KR" altLang="en-US" smtClean="0"/>
-              <a:t>2025-05-15</a:t>
+              <a:t>2025-06-08</a:t>
             </a:fld>
             <a:endParaRPr lang="ko-KR" altLang="en-US"/>
           </a:p>
@@ -4076,7 +2904,7 @@
           <a:p>
             <a:fld id="{C7F43723-C509-4DEA-8428-B50818F79709}" type="datetime1">
               <a:rPr lang="ko-KR" altLang="en-US" smtClean="0"/>
-              <a:t>2025-05-15</a:t>
+              <a:t>2025-06-08</a:t>
             </a:fld>
             <a:endParaRPr lang="ko-KR" altLang="en-US"/>
           </a:p>
@@ -4341,7 +3169,7 @@
           <a:p>
             <a:fld id="{5D2B7482-EE74-4DBD-97F4-D0DAC0C0E4E5}" type="datetime1">
               <a:rPr lang="ko-KR" altLang="en-US" smtClean="0"/>
-              <a:t>2025-05-15</a:t>
+              <a:t>2025-06-08</a:t>
             </a:fld>
             <a:endParaRPr lang="ko-KR" altLang="en-US"/>
           </a:p>
@@ -4754,7 +3582,7 @@
           <a:p>
             <a:fld id="{051A8C49-CED7-4A86-9B4A-621D7F62EE92}" type="datetime1">
               <a:rPr lang="ko-KR" altLang="en-US" smtClean="0"/>
-              <a:t>2025-05-15</a:t>
+              <a:t>2025-06-08</a:t>
             </a:fld>
             <a:endParaRPr lang="ko-KR" altLang="en-US"/>
           </a:p>
@@ -4901,7 +3729,7 @@
           <a:p>
             <a:fld id="{84082D76-7079-412D-848B-E1B9E7A6A286}" type="datetime1">
               <a:rPr lang="ko-KR" altLang="en-US" smtClean="0"/>
-              <a:t>2025-05-15</a:t>
+              <a:t>2025-06-08</a:t>
             </a:fld>
             <a:endParaRPr lang="ko-KR" altLang="en-US"/>
           </a:p>
@@ -5014,7 +3842,7 @@
           <a:p>
             <a:fld id="{10C5FEB5-5F88-4F49-9108-1795E314F09F}" type="datetime1">
               <a:rPr lang="ko-KR" altLang="en-US" smtClean="0"/>
-              <a:t>2025-05-15</a:t>
+              <a:t>2025-06-08</a:t>
             </a:fld>
             <a:endParaRPr lang="ko-KR" altLang="en-US"/>
           </a:p>
@@ -5325,7 +4153,7 @@
           <a:p>
             <a:fld id="{E37ABBEE-D8D4-48AD-9887-4DC578B8A684}" type="datetime1">
               <a:rPr lang="ko-KR" altLang="en-US" smtClean="0"/>
-              <a:t>2025-05-15</a:t>
+              <a:t>2025-06-08</a:t>
             </a:fld>
             <a:endParaRPr lang="ko-KR" altLang="en-US"/>
           </a:p>
@@ -5616,7 +4444,7 @@
           <a:p>
             <a:fld id="{A2D6A55C-F3DD-45DD-9D50-F8680410167D}" type="datetime1">
               <a:rPr lang="ko-KR" altLang="en-US" smtClean="0"/>
-              <a:t>2025-05-15</a:t>
+              <a:t>2025-06-08</a:t>
             </a:fld>
             <a:endParaRPr lang="ko-KR" altLang="en-US"/>
           </a:p>
@@ -5860,7 +4688,7 @@
             <a:fld id="{7F5E23C3-0E3D-4E4E-8486-D7FB4C073DC1}" type="datetime1">
               <a:rPr lang="ko-KR" altLang="en-US" smtClean="0"/>
               <a:pPr/>
-              <a:t>2025-05-15</a:t>
+              <a:t>2025-06-08</a:t>
             </a:fld>
             <a:endParaRPr lang="ko-KR" altLang="en-US" dirty="0"/>
           </a:p>
@@ -6382,7 +5210,7 @@
           <a:p>
             <a:fld id="{2E2BEDFA-D8AA-4914-9440-7DF713C99FA9}" type="datetime1">
               <a:rPr lang="ko-KR" altLang="en-US" smtClean="0"/>
-              <a:t>2025-05-15</a:t>
+              <a:t>2025-06-08</a:t>
             </a:fld>
             <a:endParaRPr lang="ko-KR" altLang="en-US"/>
           </a:p>
@@ -6550,7 +5378,7 @@
           <a:p>
             <a:fld id="{0F78D9C4-20C1-4B15-A116-16DC77AD9A1E}" type="datetime1">
               <a:rPr lang="ko-KR" altLang="en-US" smtClean="0"/>
-              <a:t>2025-05-15</a:t>
+              <a:t>2025-06-08</a:t>
             </a:fld>
             <a:endParaRPr lang="ko-KR" altLang="en-US"/>
           </a:p>
@@ -6995,7 +5823,7 @@
           <a:p>
             <a:fld id="{0F78D9C4-20C1-4B15-A116-16DC77AD9A1E}" type="datetime1">
               <a:rPr lang="ko-KR" altLang="en-US" smtClean="0"/>
-              <a:t>2025-05-15</a:t>
+              <a:t>2025-06-08</a:t>
             </a:fld>
             <a:endParaRPr lang="ko-KR" altLang="en-US"/>
           </a:p>
@@ -7284,7 +6112,7 @@
           <a:p>
             <a:fld id="{0F78D9C4-20C1-4B15-A116-16DC77AD9A1E}" type="datetime1">
               <a:rPr lang="ko-KR" altLang="en-US" smtClean="0"/>
-              <a:t>2025-05-15</a:t>
+              <a:t>2025-06-08</a:t>
             </a:fld>
             <a:endParaRPr lang="ko-KR" altLang="en-US"/>
           </a:p>
@@ -7899,7 +6727,7 @@
           <a:p>
             <a:fld id="{0F78D9C4-20C1-4B15-A116-16DC77AD9A1E}" type="datetime1">
               <a:rPr lang="ko-KR" altLang="en-US" smtClean="0"/>
-              <a:t>2025-05-15</a:t>
+              <a:t>2025-06-08</a:t>
             </a:fld>
             <a:endParaRPr lang="ko-KR" altLang="en-US"/>
           </a:p>
@@ -8052,7 +6880,7 @@
           <a:p>
             <a:fld id="{0F78D9C4-20C1-4B15-A116-16DC77AD9A1E}" type="datetime1">
               <a:rPr lang="ko-KR" altLang="en-US" smtClean="0"/>
-              <a:t>2025-05-15</a:t>
+              <a:t>2025-06-08</a:t>
             </a:fld>
             <a:endParaRPr lang="ko-KR" altLang="en-US"/>
           </a:p>
@@ -8235,7 +7063,7 @@
           <a:p>
             <a:fld id="{0F78D9C4-20C1-4B15-A116-16DC77AD9A1E}" type="datetime1">
               <a:rPr lang="ko-KR" altLang="en-US" smtClean="0"/>
-              <a:t>2025-05-15</a:t>
+              <a:t>2025-06-08</a:t>
             </a:fld>
             <a:endParaRPr lang="ko-KR" altLang="en-US"/>
           </a:p>
@@ -8418,7 +7246,7 @@
           <a:p>
             <a:fld id="{0F78D9C4-20C1-4B15-A116-16DC77AD9A1E}" type="datetime1">
               <a:rPr lang="ko-KR" altLang="en-US" smtClean="0"/>
-              <a:t>2025-05-15</a:t>
+              <a:t>2025-06-08</a:t>
             </a:fld>
             <a:endParaRPr lang="ko-KR" altLang="en-US"/>
           </a:p>
@@ -8642,7 +7470,7 @@
           <a:p>
             <a:fld id="{0F78D9C4-20C1-4B15-A116-16DC77AD9A1E}" type="datetime1">
               <a:rPr lang="ko-KR" altLang="en-US" smtClean="0"/>
-              <a:t>2025-05-15</a:t>
+              <a:t>2025-06-08</a:t>
             </a:fld>
             <a:endParaRPr lang="ko-KR" altLang="en-US"/>
           </a:p>
@@ -9475,7 +8303,7 @@
           <a:p>
             <a:fld id="{0F78D9C4-20C1-4B15-A116-16DC77AD9A1E}" type="datetime1">
               <a:rPr lang="ko-KR" altLang="en-US" smtClean="0"/>
-              <a:t>2025-05-15</a:t>
+              <a:t>2025-06-08</a:t>
             </a:fld>
             <a:endParaRPr lang="ko-KR" altLang="en-US"/>
           </a:p>
@@ -9644,7 +8472,7 @@
           <a:p>
             <a:fld id="{0F78D9C4-20C1-4B15-A116-16DC77AD9A1E}" type="datetime1">
               <a:rPr lang="ko-KR" altLang="en-US" smtClean="0"/>
-              <a:t>2025-05-15</a:t>
+              <a:t>2025-06-08</a:t>
             </a:fld>
             <a:endParaRPr lang="ko-KR" altLang="en-US"/>
           </a:p>
@@ -10023,7 +8851,7 @@
           <a:p>
             <a:fld id="{0F78D9C4-20C1-4B15-A116-16DC77AD9A1E}" type="datetime1">
               <a:rPr lang="ko-KR" altLang="en-US" smtClean="0"/>
-              <a:t>2025-05-15</a:t>
+              <a:t>2025-06-08</a:t>
             </a:fld>
             <a:endParaRPr lang="ko-KR" altLang="en-US"/>
           </a:p>
@@ -10628,7 +9456,7 @@
           <a:p>
             <a:fld id="{0F78D9C4-20C1-4B15-A116-16DC77AD9A1E}" type="datetime1">
               <a:rPr lang="ko-KR" altLang="en-US" smtClean="0"/>
-              <a:t>2025-05-15</a:t>
+              <a:t>2025-06-08</a:t>
             </a:fld>
             <a:endParaRPr lang="ko-KR" altLang="en-US"/>
           </a:p>
@@ -10790,7 +9618,7 @@
           <a:p>
             <a:fld id="{0F78D9C4-20C1-4B15-A116-16DC77AD9A1E}" type="datetime1">
               <a:rPr lang="ko-KR" altLang="en-US" smtClean="0"/>
-              <a:t>2025-05-15</a:t>
+              <a:t>2025-06-08</a:t>
             </a:fld>
             <a:endParaRPr lang="ko-KR" altLang="en-US"/>
           </a:p>
@@ -10986,7 +9814,7 @@
           <a:p>
             <a:fld id="{0F78D9C4-20C1-4B15-A116-16DC77AD9A1E}" type="datetime1">
               <a:rPr lang="ko-KR" altLang="en-US" smtClean="0"/>
-              <a:t>2025-05-15</a:t>
+              <a:t>2025-06-08</a:t>
             </a:fld>
             <a:endParaRPr lang="ko-KR" altLang="en-US"/>
           </a:p>
@@ -11506,7 +10334,7 @@
           <a:p>
             <a:fld id="{0F78D9C4-20C1-4B15-A116-16DC77AD9A1E}" type="datetime1">
               <a:rPr lang="ko-KR" altLang="en-US" smtClean="0"/>
-              <a:t>2025-05-15</a:t>
+              <a:t>2025-06-08</a:t>
             </a:fld>
             <a:endParaRPr lang="ko-KR" altLang="en-US"/>
           </a:p>
@@ -11734,7 +10562,7 @@
           <a:p>
             <a:fld id="{0F78D9C4-20C1-4B15-A116-16DC77AD9A1E}" type="datetime1">
               <a:rPr lang="ko-KR" altLang="en-US" smtClean="0"/>
-              <a:t>2025-05-15</a:t>
+              <a:t>2025-06-08</a:t>
             </a:fld>
             <a:endParaRPr lang="ko-KR" altLang="en-US"/>
           </a:p>
@@ -12119,7 +10947,7 @@
           <a:p>
             <a:fld id="{0F78D9C4-20C1-4B15-A116-16DC77AD9A1E}" type="datetime1">
               <a:rPr lang="ko-KR" altLang="en-US" smtClean="0"/>
-              <a:t>2025-05-15</a:t>
+              <a:t>2025-06-08</a:t>
             </a:fld>
             <a:endParaRPr lang="ko-KR" altLang="en-US"/>
           </a:p>
